--- a/docs/diagrams/UndoRedoNewCommand4StateListDiagram.pptx
+++ b/docs/diagrams/UndoRedoNewCommand4StateListDiagram.pptx
@@ -112,10 +112,6 @@
 </p:presentation>
 </file>
 
-<file path=ppt/revisionInfo.xml><?xml version="1.0" encoding="utf-8"?>
-<p1510:revInfo xmlns:a="http://schemas.openxmlformats.org/drawingml/2006/main" xmlns:r="http://schemas.openxmlformats.org/officeDocument/2006/relationships" xmlns:p1510="http://schemas.microsoft.com/office/powerpoint/2015/10/main"/>
-</file>
-
 <file path=ppt/slideLayouts/slideLayout1.xml><?xml version="1.0" encoding="utf-8"?>
 <p:sldLayout xmlns:a="http://schemas.openxmlformats.org/drawingml/2006/main" xmlns:r="http://schemas.openxmlformats.org/officeDocument/2006/relationships" xmlns:p="http://schemas.openxmlformats.org/presentationml/2006/main" type="title" preserve="1">
   <p:cSld name="Title Slide">
@@ -265,7 +261,7 @@
           <a:p>
             <a:fld id="{03EC4E3E-8101-482F-A883-8B55DAFF7C07}" type="datetimeFigureOut">
               <a:rPr lang="en-SG" smtClean="0"/>
-              <a:t>6/7/2018</a:t>
+              <a:t>9/4/2019</a:t>
             </a:fld>
             <a:endParaRPr lang="en-SG"/>
           </a:p>
@@ -465,7 +461,7 @@
           <a:p>
             <a:fld id="{03EC4E3E-8101-482F-A883-8B55DAFF7C07}" type="datetimeFigureOut">
               <a:rPr lang="en-SG" smtClean="0"/>
-              <a:t>6/7/2018</a:t>
+              <a:t>9/4/2019</a:t>
             </a:fld>
             <a:endParaRPr lang="en-SG"/>
           </a:p>
@@ -675,7 +671,7 @@
           <a:p>
             <a:fld id="{03EC4E3E-8101-482F-A883-8B55DAFF7C07}" type="datetimeFigureOut">
               <a:rPr lang="en-SG" smtClean="0"/>
-              <a:t>6/7/2018</a:t>
+              <a:t>9/4/2019</a:t>
             </a:fld>
             <a:endParaRPr lang="en-SG"/>
           </a:p>
@@ -875,7 +871,7 @@
           <a:p>
             <a:fld id="{03EC4E3E-8101-482F-A883-8B55DAFF7C07}" type="datetimeFigureOut">
               <a:rPr lang="en-SG" smtClean="0"/>
-              <a:t>6/7/2018</a:t>
+              <a:t>9/4/2019</a:t>
             </a:fld>
             <a:endParaRPr lang="en-SG"/>
           </a:p>
@@ -1151,7 +1147,7 @@
           <a:p>
             <a:fld id="{03EC4E3E-8101-482F-A883-8B55DAFF7C07}" type="datetimeFigureOut">
               <a:rPr lang="en-SG" smtClean="0"/>
-              <a:t>6/7/2018</a:t>
+              <a:t>9/4/2019</a:t>
             </a:fld>
             <a:endParaRPr lang="en-SG"/>
           </a:p>
@@ -1419,7 +1415,7 @@
           <a:p>
             <a:fld id="{03EC4E3E-8101-482F-A883-8B55DAFF7C07}" type="datetimeFigureOut">
               <a:rPr lang="en-SG" smtClean="0"/>
-              <a:t>6/7/2018</a:t>
+              <a:t>9/4/2019</a:t>
             </a:fld>
             <a:endParaRPr lang="en-SG"/>
           </a:p>
@@ -1834,7 +1830,7 @@
           <a:p>
             <a:fld id="{03EC4E3E-8101-482F-A883-8B55DAFF7C07}" type="datetimeFigureOut">
               <a:rPr lang="en-SG" smtClean="0"/>
-              <a:t>6/7/2018</a:t>
+              <a:t>9/4/2019</a:t>
             </a:fld>
             <a:endParaRPr lang="en-SG"/>
           </a:p>
@@ -1976,7 +1972,7 @@
           <a:p>
             <a:fld id="{03EC4E3E-8101-482F-A883-8B55DAFF7C07}" type="datetimeFigureOut">
               <a:rPr lang="en-SG" smtClean="0"/>
-              <a:t>6/7/2018</a:t>
+              <a:t>9/4/2019</a:t>
             </a:fld>
             <a:endParaRPr lang="en-SG"/>
           </a:p>
@@ -2089,7 +2085,7 @@
           <a:p>
             <a:fld id="{03EC4E3E-8101-482F-A883-8B55DAFF7C07}" type="datetimeFigureOut">
               <a:rPr lang="en-SG" smtClean="0"/>
-              <a:t>6/7/2018</a:t>
+              <a:t>9/4/2019</a:t>
             </a:fld>
             <a:endParaRPr lang="en-SG"/>
           </a:p>
@@ -2402,7 +2398,7 @@
           <a:p>
             <a:fld id="{03EC4E3E-8101-482F-A883-8B55DAFF7C07}" type="datetimeFigureOut">
               <a:rPr lang="en-SG" smtClean="0"/>
-              <a:t>6/7/2018</a:t>
+              <a:t>9/4/2019</a:t>
             </a:fld>
             <a:endParaRPr lang="en-SG"/>
           </a:p>
@@ -2691,7 +2687,7 @@
           <a:p>
             <a:fld id="{03EC4E3E-8101-482F-A883-8B55DAFF7C07}" type="datetimeFigureOut">
               <a:rPr lang="en-SG" smtClean="0"/>
-              <a:t>6/7/2018</a:t>
+              <a:t>9/4/2019</a:t>
             </a:fld>
             <a:endParaRPr lang="en-SG"/>
           </a:p>
@@ -2934,7 +2930,7 @@
           <a:p>
             <a:fld id="{03EC4E3E-8101-482F-A883-8B55DAFF7C07}" type="datetimeFigureOut">
               <a:rPr lang="en-SG" smtClean="0"/>
-              <a:t>6/7/2018</a:t>
+              <a:t>9/4/2019</a:t>
             </a:fld>
             <a:endParaRPr lang="en-SG"/>
           </a:p>
@@ -3450,12 +3446,8 @@
           <a:p>
             <a:pPr algn="ctr"/>
             <a:r>
-              <a:rPr lang="en-SG"/>
-              <a:t>State ab2 </a:t>
-            </a:r>
-            <a:r>
               <a:rPr lang="en-SG" dirty="0"/>
-              <a:t>deleted.</a:t>
+              <a:t>State tb2 deleted.</a:t>
             </a:r>
           </a:p>
         </p:txBody>
@@ -3655,7 +3647,7 @@
           <p:nvPr>
             <p:extLst>
               <p:ext uri="{D42A27DB-BD31-4B8C-83A1-F6EECF244321}">
-                <p14:modId xmlns:p14="http://schemas.microsoft.com/office/powerpoint/2010/main" val="1352982134"/>
+                <p14:modId xmlns:p14="http://schemas.microsoft.com/office/powerpoint/2010/main" val="806350701"/>
               </p:ext>
             </p:extLst>
           </p:nvPr>
@@ -3687,11 +3679,11 @@
                     <a:p>
                       <a:r>
                         <a:rPr lang="en-SG" u="sng" dirty="0"/>
-                        <a:t>ab0:</a:t>
+                        <a:t>tb0:</a:t>
                       </a:r>
                       <a:r>
                         <a:rPr lang="en-SG" sz="1800" u="sng" dirty="0"/>
-                        <a:t>AddressBook</a:t>
+                        <a:t>TaskBook</a:t>
                       </a:r>
                       <a:endParaRPr lang="en-SG" u="sng" dirty="0"/>
                     </a:p>
@@ -3723,7 +3715,7 @@
           <p:nvPr>
             <p:extLst>
               <p:ext uri="{D42A27DB-BD31-4B8C-83A1-F6EECF244321}">
-                <p14:modId xmlns:p14="http://schemas.microsoft.com/office/powerpoint/2010/main" val="829193732"/>
+                <p14:modId xmlns:p14="http://schemas.microsoft.com/office/powerpoint/2010/main" val="3889848013"/>
               </p:ext>
             </p:extLst>
           </p:nvPr>
@@ -3755,11 +3747,11 @@
                     <a:p>
                       <a:r>
                         <a:rPr lang="en-SG" u="sng" dirty="0"/>
-                        <a:t>ab1:</a:t>
+                        <a:t>tb1:</a:t>
                       </a:r>
                       <a:r>
                         <a:rPr lang="en-SG" sz="1800" u="sng" dirty="0"/>
-                        <a:t>AddressBook</a:t>
+                        <a:t>TaskBook</a:t>
                       </a:r>
                       <a:endParaRPr lang="en-SG" u="sng" dirty="0"/>
                     </a:p>
@@ -3791,7 +3783,7 @@
           <p:nvPr>
             <p:extLst>
               <p:ext uri="{D42A27DB-BD31-4B8C-83A1-F6EECF244321}">
-                <p14:modId xmlns:p14="http://schemas.microsoft.com/office/powerpoint/2010/main" val="796708048"/>
+                <p14:modId xmlns:p14="http://schemas.microsoft.com/office/powerpoint/2010/main" val="2434899878"/>
               </p:ext>
             </p:extLst>
           </p:nvPr>
@@ -3823,11 +3815,11 @@
                     <a:p>
                       <a:r>
                         <a:rPr lang="en-SG" u="sng" dirty="0"/>
-                        <a:t>ab2:</a:t>
+                        <a:t>tb2:</a:t>
                       </a:r>
                       <a:r>
                         <a:rPr lang="en-SG" sz="1800" u="sng" dirty="0"/>
-                        <a:t>AddressBook</a:t>
+                        <a:t>TaskBook</a:t>
                       </a:r>
                       <a:endParaRPr lang="en-SG" u="sng" dirty="0"/>
                     </a:p>
@@ -3859,7 +3851,7 @@
           <p:nvPr>
             <p:extLst>
               <p:ext uri="{D42A27DB-BD31-4B8C-83A1-F6EECF244321}">
-                <p14:modId xmlns:p14="http://schemas.microsoft.com/office/powerpoint/2010/main" val="377617300"/>
+                <p14:modId xmlns:p14="http://schemas.microsoft.com/office/powerpoint/2010/main" val="3722628837"/>
               </p:ext>
             </p:extLst>
           </p:nvPr>
@@ -3891,11 +3883,11 @@
                     <a:p>
                       <a:r>
                         <a:rPr lang="en-SG" u="sng" dirty="0"/>
-                        <a:t>ab0:</a:t>
+                        <a:t>tb0:</a:t>
                       </a:r>
                       <a:r>
                         <a:rPr lang="en-SG" sz="1800" u="sng" dirty="0"/>
-                        <a:t>AddressBook</a:t>
+                        <a:t>TaskBook</a:t>
                       </a:r>
                       <a:endParaRPr lang="en-SG" u="sng" dirty="0"/>
                     </a:p>
@@ -3927,7 +3919,7 @@
           <p:nvPr>
             <p:extLst>
               <p:ext uri="{D42A27DB-BD31-4B8C-83A1-F6EECF244321}">
-                <p14:modId xmlns:p14="http://schemas.microsoft.com/office/powerpoint/2010/main" val="4076322253"/>
+                <p14:modId xmlns:p14="http://schemas.microsoft.com/office/powerpoint/2010/main" val="10958485"/>
               </p:ext>
             </p:extLst>
           </p:nvPr>
@@ -3959,11 +3951,11 @@
                     <a:p>
                       <a:r>
                         <a:rPr lang="en-SG" u="sng" dirty="0"/>
-                        <a:t>ab1:</a:t>
+                        <a:t>tb1:</a:t>
                       </a:r>
                       <a:r>
                         <a:rPr lang="en-SG" sz="1800" u="sng" dirty="0"/>
-                        <a:t>AddressBook</a:t>
+                        <a:t>TaskBook</a:t>
                       </a:r>
                       <a:endParaRPr lang="en-SG" u="sng" dirty="0"/>
                     </a:p>
@@ -3995,7 +3987,7 @@
           <p:nvPr>
             <p:extLst>
               <p:ext uri="{D42A27DB-BD31-4B8C-83A1-F6EECF244321}">
-                <p14:modId xmlns:p14="http://schemas.microsoft.com/office/powerpoint/2010/main" val="53411958"/>
+                <p14:modId xmlns:p14="http://schemas.microsoft.com/office/powerpoint/2010/main" val="591227204"/>
               </p:ext>
             </p:extLst>
           </p:nvPr>
@@ -4027,11 +4019,11 @@
                     <a:p>
                       <a:r>
                         <a:rPr lang="en-SG" u="sng" dirty="0"/>
-                        <a:t>ab3:</a:t>
+                        <a:t>tb3:</a:t>
                       </a:r>
                       <a:r>
                         <a:rPr lang="en-SG" sz="1800" u="sng" dirty="0"/>
-                        <a:t>AddressBook</a:t>
+                        <a:t>TaskBook</a:t>
                       </a:r>
                       <a:endParaRPr lang="en-SG" u="sng" dirty="0"/>
                     </a:p>
